--- a/reports/9-20220610-类型判断输出.pptx
+++ b/reports/9-20220610-类型判断输出.pptx
@@ -235,7 +235,7 @@
           <a:p>
             <a:fld id="{A511C7D4-4CB6-4CEA-B712-C7C229DBCFE5}" type="datetimeFigureOut">
               <a:rPr lang="zh-CN" altLang="en-US" smtClean="0"/>
-              <a:t>2022/6/10</a:t>
+              <a:t>2022/6/11</a:t>
             </a:fld>
             <a:endParaRPr lang="zh-CN" altLang="en-US"/>
           </a:p>
@@ -949,7 +949,7 @@
           <a:p>
             <a:fld id="{E70B94D0-8669-3144-8F8F-7E417FABCF03}" type="datetime1">
               <a:rPr lang="zh-CN" altLang="en-US" smtClean="0"/>
-              <a:t>2022/6/10</a:t>
+              <a:t>2022/6/11</a:t>
             </a:fld>
             <a:endParaRPr lang="zh-CN" altLang="en-US"/>
           </a:p>
@@ -1122,7 +1122,7 @@
           <a:p>
             <a:fld id="{9A138790-0635-AB45-A5E1-65F121CC739A}" type="datetime1">
               <a:rPr lang="zh-CN" altLang="en-US" smtClean="0"/>
-              <a:t>2022/6/10</a:t>
+              <a:t>2022/6/11</a:t>
             </a:fld>
             <a:endParaRPr lang="zh-CN" altLang="en-US"/>
           </a:p>
@@ -1305,7 +1305,7 @@
           <a:p>
             <a:fld id="{9B74181A-97AB-6041-9C31-2DFA4FC7EAF6}" type="datetime1">
               <a:rPr lang="zh-CN" altLang="en-US" smtClean="0"/>
-              <a:t>2022/6/10</a:t>
+              <a:t>2022/6/11</a:t>
             </a:fld>
             <a:endParaRPr lang="zh-CN" altLang="en-US"/>
           </a:p>
@@ -1500,7 +1500,7 @@
           <a:p>
             <a:fld id="{AE35C004-D17D-B54B-96C2-C6F2C789EF49}" type="datetime1">
               <a:rPr lang="zh-CN" altLang="en-US" smtClean="0"/>
-              <a:t>2022/6/10</a:t>
+              <a:t>2022/6/11</a:t>
             </a:fld>
             <a:endParaRPr lang="zh-CN" altLang="en-US"/>
           </a:p>
@@ -1679,7 +1679,7 @@
           <a:p>
             <a:fld id="{3EBB2535-92C8-2247-B38D-62A0CA30BC62}" type="datetime1">
               <a:rPr lang="zh-CN" altLang="en-US" smtClean="0"/>
-              <a:t>2022/6/10</a:t>
+              <a:t>2022/6/11</a:t>
             </a:fld>
             <a:endParaRPr lang="zh-CN" altLang="en-US"/>
           </a:p>
@@ -1924,7 +1924,7 @@
           <a:p>
             <a:fld id="{37FF271B-DCC8-5349-9886-7069EDED0F48}" type="datetime1">
               <a:rPr lang="zh-CN" altLang="en-US" smtClean="0"/>
-              <a:t>2022/6/10</a:t>
+              <a:t>2022/6/11</a:t>
             </a:fld>
             <a:endParaRPr lang="zh-CN" altLang="en-US"/>
           </a:p>
@@ -2155,7 +2155,7 @@
           <a:p>
             <a:fld id="{712C3F82-2905-7747-A16D-B174DEE52523}" type="datetime1">
               <a:rPr lang="zh-CN" altLang="en-US" smtClean="0"/>
-              <a:t>2022/6/10</a:t>
+              <a:t>2022/6/11</a:t>
             </a:fld>
             <a:endParaRPr lang="zh-CN" altLang="en-US"/>
           </a:p>
@@ -2521,7 +2521,7 @@
           <a:p>
             <a:fld id="{91E68CC6-7BA7-9944-8987-57EC298C061D}" type="datetime1">
               <a:rPr lang="zh-CN" altLang="en-US" smtClean="0"/>
-              <a:t>2022/6/10</a:t>
+              <a:t>2022/6/11</a:t>
             </a:fld>
             <a:endParaRPr lang="zh-CN" altLang="en-US"/>
           </a:p>
@@ -2638,7 +2638,7 @@
           <a:p>
             <a:fld id="{4A7F96D5-8463-1E46-91DD-3FBC72B92AF1}" type="datetime1">
               <a:rPr lang="zh-CN" altLang="en-US" smtClean="0"/>
-              <a:t>2022/6/10</a:t>
+              <a:t>2022/6/11</a:t>
             </a:fld>
             <a:endParaRPr lang="zh-CN" altLang="en-US"/>
           </a:p>
@@ -2732,7 +2732,7 @@
           <a:p>
             <a:fld id="{CB95B7B2-6606-254B-A2B7-D0F29E379D18}" type="datetime1">
               <a:rPr lang="zh-CN" altLang="en-US" smtClean="0"/>
-              <a:t>2022/6/10</a:t>
+              <a:t>2022/6/11</a:t>
             </a:fld>
             <a:endParaRPr lang="zh-CN" altLang="en-US"/>
           </a:p>
@@ -3008,7 +3008,7 @@
           <a:p>
             <a:fld id="{AB178173-A751-DA48-A069-E717F01103DD}" type="datetime1">
               <a:rPr lang="zh-CN" altLang="en-US" smtClean="0"/>
-              <a:t>2022/6/10</a:t>
+              <a:t>2022/6/11</a:t>
             </a:fld>
             <a:endParaRPr lang="zh-CN" altLang="en-US"/>
           </a:p>
@@ -3187,7 +3187,7 @@
           <a:p>
             <a:fld id="{BAA9370E-DE07-DD4A-B38D-E6CAB0058F61}" type="datetime1">
               <a:rPr lang="zh-CN" altLang="en-US" smtClean="0"/>
-              <a:t>2022/6/10</a:t>
+              <a:t>2022/6/11</a:t>
             </a:fld>
             <a:endParaRPr lang="zh-CN" altLang="en-US"/>
           </a:p>
@@ -3447,7 +3447,7 @@
           <a:p>
             <a:fld id="{4694F919-6FBD-C142-8F2C-E6305D9A5890}" type="datetime1">
               <a:rPr lang="zh-CN" altLang="en-US" smtClean="0"/>
-              <a:t>2022/6/10</a:t>
+              <a:t>2022/6/11</a:t>
             </a:fld>
             <a:endParaRPr lang="zh-CN" altLang="en-US"/>
           </a:p>
@@ -3616,7 +3616,7 @@
           <a:p>
             <a:fld id="{8586F5E5-D62E-8C4C-80A7-DC6A20CFF73F}" type="datetime1">
               <a:rPr lang="zh-CN" altLang="en-US" smtClean="0"/>
-              <a:t>2022/6/10</a:t>
+              <a:t>2022/6/11</a:t>
             </a:fld>
             <a:endParaRPr lang="zh-CN" altLang="en-US"/>
           </a:p>
@@ -3795,7 +3795,7 @@
           <a:p>
             <a:fld id="{6288AAD8-9F88-BB42-8E19-795696907463}" type="datetime1">
               <a:rPr lang="zh-CN" altLang="en-US" smtClean="0"/>
-              <a:t>2022/6/10</a:t>
+              <a:t>2022/6/11</a:t>
             </a:fld>
             <a:endParaRPr lang="zh-CN" altLang="en-US"/>
           </a:p>
@@ -4040,7 +4040,7 @@
           <a:p>
             <a:fld id="{D317B37F-08A2-7746-8DEF-B3AC4494F5B4}" type="datetime1">
               <a:rPr lang="zh-CN" altLang="en-US" smtClean="0"/>
-              <a:t>2022/6/10</a:t>
+              <a:t>2022/6/11</a:t>
             </a:fld>
             <a:endParaRPr lang="zh-CN" altLang="en-US"/>
           </a:p>
@@ -4275,7 +4275,7 @@
           <a:p>
             <a:fld id="{9E90F113-CFE5-954D-A440-E38AD8C4218A}" type="datetime1">
               <a:rPr lang="zh-CN" altLang="en-US" smtClean="0"/>
-              <a:t>2022/6/10</a:t>
+              <a:t>2022/6/11</a:t>
             </a:fld>
             <a:endParaRPr lang="zh-CN" altLang="en-US"/>
           </a:p>
@@ -4645,7 +4645,7 @@
           <a:p>
             <a:fld id="{68EE6AB5-EF09-F849-A751-14F085AF4172}" type="datetime1">
               <a:rPr lang="zh-CN" altLang="en-US" smtClean="0"/>
-              <a:t>2022/6/10</a:t>
+              <a:t>2022/6/11</a:t>
             </a:fld>
             <a:endParaRPr lang="zh-CN" altLang="en-US"/>
           </a:p>
@@ -4766,7 +4766,7 @@
           <a:p>
             <a:fld id="{7858033E-7846-1348-853E-744730C39C0B}" type="datetime1">
               <a:rPr lang="zh-CN" altLang="en-US" smtClean="0"/>
-              <a:t>2022/6/10</a:t>
+              <a:t>2022/6/11</a:t>
             </a:fld>
             <a:endParaRPr lang="zh-CN" altLang="en-US"/>
           </a:p>
@@ -4864,7 +4864,7 @@
           <a:p>
             <a:fld id="{8B8BBE74-3B01-E24A-82CE-02914419C28D}" type="datetime1">
               <a:rPr lang="zh-CN" altLang="en-US" smtClean="0"/>
-              <a:t>2022/6/10</a:t>
+              <a:t>2022/6/11</a:t>
             </a:fld>
             <a:endParaRPr lang="zh-CN" altLang="en-US"/>
           </a:p>
@@ -5144,7 +5144,7 @@
           <a:p>
             <a:fld id="{F1B2DA5A-0669-1D45-8E3C-43C5E43832BB}" type="datetime1">
               <a:rPr lang="zh-CN" altLang="en-US" smtClean="0"/>
-              <a:t>2022/6/10</a:t>
+              <a:t>2022/6/11</a:t>
             </a:fld>
             <a:endParaRPr lang="zh-CN" altLang="en-US"/>
           </a:p>
@@ -5404,7 +5404,7 @@
           <a:p>
             <a:fld id="{8AB72C7D-9599-3447-A0C3-D20A2E973329}" type="datetime1">
               <a:rPr lang="zh-CN" altLang="en-US" smtClean="0"/>
-              <a:t>2022/6/10</a:t>
+              <a:t>2022/6/11</a:t>
             </a:fld>
             <a:endParaRPr lang="zh-CN" altLang="en-US"/>
           </a:p>
@@ -5587,7 +5587,7 @@
           <a:p>
             <a:fld id="{A27718E6-9B64-594A-9B66-41458BBD2978}" type="datetime1">
               <a:rPr lang="zh-CN" altLang="en-US" smtClean="0"/>
-              <a:t>2022/6/10</a:t>
+              <a:t>2022/6/11</a:t>
             </a:fld>
             <a:endParaRPr lang="zh-CN" altLang="en-US"/>
           </a:p>
@@ -6177,7 +6177,7 @@
           <a:p>
             <a:fld id="{0BE220D3-40F9-554C-9DEE-C65EEB85D70E}" type="datetime1">
               <a:rPr lang="zh-CN" altLang="en-US" smtClean="0"/>
-              <a:t>2022/6/10</a:t>
+              <a:t>2022/6/11</a:t>
             </a:fld>
             <a:endParaRPr lang="zh-CN" altLang="en-US"/>
           </a:p>
@@ -7278,7 +7278,7 @@
           <a:p>
             <a:fld id="{48C0F002-9E81-334E-9897-686C0F3A095B}" type="datetime1">
               <a:rPr lang="zh-CN" altLang="en-US" smtClean="0"/>
-              <a:t>2022/6/10</a:t>
+              <a:t>2022/6/11</a:t>
             </a:fld>
             <a:endParaRPr lang="zh-CN" altLang="en-US"/>
           </a:p>
@@ -7442,7 +7442,7 @@
           <a:p>
             <a:fld id="{48C0F002-9E81-334E-9897-686C0F3A095B}" type="datetime1">
               <a:rPr lang="zh-CN" altLang="en-US" smtClean="0"/>
-              <a:t>2022/6/10</a:t>
+              <a:t>2022/6/11</a:t>
             </a:fld>
             <a:endParaRPr lang="zh-CN" altLang="en-US"/>
           </a:p>
@@ -7630,7 +7630,7 @@
           <a:p>
             <a:fld id="{48C0F002-9E81-334E-9897-686C0F3A095B}" type="datetime1">
               <a:rPr lang="zh-CN" altLang="en-US" smtClean="0"/>
-              <a:t>2022/6/10</a:t>
+              <a:t>2022/6/11</a:t>
             </a:fld>
             <a:endParaRPr lang="zh-CN" altLang="en-US"/>
           </a:p>
@@ -7799,7 +7799,7 @@
           <a:p>
             <a:fld id="{BAA9370E-DE07-DD4A-B38D-E6CAB0058F61}" type="datetime1">
               <a:rPr lang="zh-CN" altLang="en-US" smtClean="0"/>
-              <a:t>2022/6/10</a:t>
+              <a:t>2022/6/11</a:t>
             </a:fld>
             <a:endParaRPr lang="zh-CN" altLang="en-US"/>
           </a:p>
@@ -8358,7 +8358,7 @@
           <a:p>
             <a:fld id="{C0BEF7A1-0C0D-F743-88CC-95CC7BA40357}" type="datetime1">
               <a:rPr lang="zh-CN" altLang="en-US" smtClean="0"/>
-              <a:t>2022/6/10</a:t>
+              <a:t>2022/6/11</a:t>
             </a:fld>
             <a:endParaRPr lang="zh-CN" altLang="en-US"/>
           </a:p>
